--- a/Candidate Assessment Center.pptx
+++ b/Candidate Assessment Center.pptx
@@ -6,11 +6,13 @@
   </p:sldMasterIdLst>
   <p:sldIdLst>
     <p:sldId id="256" r:id="rId2"/>
-    <p:sldId id="257" r:id="rId3"/>
-    <p:sldId id="258" r:id="rId4"/>
-    <p:sldId id="259" r:id="rId5"/>
-    <p:sldId id="260" r:id="rId6"/>
-    <p:sldId id="262" r:id="rId7"/>
+    <p:sldId id="263" r:id="rId3"/>
+    <p:sldId id="257" r:id="rId4"/>
+    <p:sldId id="258" r:id="rId5"/>
+    <p:sldId id="259" r:id="rId6"/>
+    <p:sldId id="260" r:id="rId7"/>
+    <p:sldId id="264" r:id="rId8"/>
+    <p:sldId id="262" r:id="rId9"/>
   </p:sldIdLst>
   <p:sldSz cx="9144000" cy="6858000" type="screen4x3"/>
   <p:notesSz cx="6858000" cy="9144000"/>
@@ -336,7 +338,7 @@
             <a:fld id="{4B47104B-7524-4EA8-959B-E86CB167F9A1}" type="datetimeFigureOut">
               <a:rPr lang="de-DE" smtClean="0"/>
               <a:pPr/>
-              <a:t>14.11.2019</a:t>
+              <a:t>15.11.2019</a:t>
             </a:fld>
             <a:endParaRPr lang="de-DE"/>
           </a:p>
@@ -530,7 +532,7 @@
             <a:fld id="{4B47104B-7524-4EA8-959B-E86CB167F9A1}" type="datetimeFigureOut">
               <a:rPr lang="de-DE" smtClean="0"/>
               <a:pPr/>
-              <a:t>14.11.2019</a:t>
+              <a:t>15.11.2019</a:t>
             </a:fld>
             <a:endParaRPr lang="de-DE"/>
           </a:p>
@@ -712,7 +714,7 @@
             <a:fld id="{4B47104B-7524-4EA8-959B-E86CB167F9A1}" type="datetimeFigureOut">
               <a:rPr lang="de-DE" smtClean="0"/>
               <a:pPr/>
-              <a:t>14.11.2019</a:t>
+              <a:t>15.11.2019</a:t>
             </a:fld>
             <a:endParaRPr lang="de-DE"/>
           </a:p>
@@ -884,7 +886,7 @@
             <a:fld id="{4B47104B-7524-4EA8-959B-E86CB167F9A1}" type="datetimeFigureOut">
               <a:rPr lang="de-DE" smtClean="0"/>
               <a:pPr/>
-              <a:t>14.11.2019</a:t>
+              <a:t>15.11.2019</a:t>
             </a:fld>
             <a:endParaRPr lang="de-DE"/>
           </a:p>
@@ -1140,7 +1142,7 @@
             <a:fld id="{4B47104B-7524-4EA8-959B-E86CB167F9A1}" type="datetimeFigureOut">
               <a:rPr lang="de-DE" smtClean="0"/>
               <a:pPr/>
-              <a:t>14.11.2019</a:t>
+              <a:t>15.11.2019</a:t>
             </a:fld>
             <a:endParaRPr lang="de-DE"/>
           </a:p>
@@ -1468,7 +1470,7 @@
             <a:fld id="{4B47104B-7524-4EA8-959B-E86CB167F9A1}" type="datetimeFigureOut">
               <a:rPr lang="de-DE" smtClean="0"/>
               <a:pPr/>
-              <a:t>14.11.2019</a:t>
+              <a:t>15.11.2019</a:t>
             </a:fld>
             <a:endParaRPr lang="de-DE"/>
           </a:p>
@@ -1890,7 +1892,7 @@
             <a:fld id="{4B47104B-7524-4EA8-959B-E86CB167F9A1}" type="datetimeFigureOut">
               <a:rPr lang="de-DE" smtClean="0"/>
               <a:pPr/>
-              <a:t>14.11.2019</a:t>
+              <a:t>15.11.2019</a:t>
             </a:fld>
             <a:endParaRPr lang="de-DE"/>
           </a:p>
@@ -2010,7 +2012,7 @@
             <a:fld id="{4B47104B-7524-4EA8-959B-E86CB167F9A1}" type="datetimeFigureOut">
               <a:rPr lang="de-DE" smtClean="0"/>
               <a:pPr/>
-              <a:t>14.11.2019</a:t>
+              <a:t>15.11.2019</a:t>
             </a:fld>
             <a:endParaRPr lang="de-DE"/>
           </a:p>
@@ -2107,7 +2109,7 @@
             <a:fld id="{4B47104B-7524-4EA8-959B-E86CB167F9A1}" type="datetimeFigureOut">
               <a:rPr lang="de-DE" smtClean="0"/>
               <a:pPr/>
-              <a:t>14.11.2019</a:t>
+              <a:t>15.11.2019</a:t>
             </a:fld>
             <a:endParaRPr lang="de-DE"/>
           </a:p>
@@ -2396,7 +2398,7 @@
             <a:fld id="{4B47104B-7524-4EA8-959B-E86CB167F9A1}" type="datetimeFigureOut">
               <a:rPr lang="de-DE" smtClean="0"/>
               <a:pPr/>
-              <a:t>14.11.2019</a:t>
+              <a:t>15.11.2019</a:t>
             </a:fld>
             <a:endParaRPr lang="de-DE"/>
           </a:p>
@@ -2723,7 +2725,7 @@
             <a:fld id="{4B47104B-7524-4EA8-959B-E86CB167F9A1}" type="datetimeFigureOut">
               <a:rPr lang="de-DE" smtClean="0"/>
               <a:pPr/>
-              <a:t>14.11.2019</a:t>
+              <a:t>15.11.2019</a:t>
             </a:fld>
             <a:endParaRPr lang="de-DE"/>
           </a:p>
@@ -2979,7 +2981,7 @@
             <a:fld id="{4B47104B-7524-4EA8-959B-E86CB167F9A1}" type="datetimeFigureOut">
               <a:rPr lang="de-DE" smtClean="0"/>
               <a:pPr/>
-              <a:t>14.11.2019</a:t>
+              <a:t>15.11.2019</a:t>
             </a:fld>
             <a:endParaRPr lang="de-DE"/>
           </a:p>
@@ -3555,6 +3557,13 @@
   <p:clrMapOvr>
     <a:masterClrMapping/>
   </p:clrMapOvr>
+  <p:timing>
+    <p:tnLst>
+      <p:par>
+        <p:cTn id="1" dur="indefinite" restart="never" nodeType="tmRoot"/>
+      </p:par>
+    </p:tnLst>
+  </p:timing>
 </p:sld>
 </file>
 
@@ -3592,46 +3601,91 @@
           <a:p>
             <a:r>
               <a:rPr lang="de-DE" dirty="0" smtClean="0"/>
+              <a:t>Gliederung</a:t>
+            </a:r>
+            <a:endParaRPr lang="de-DE" dirty="0"/>
+          </a:p>
+        </p:txBody>
+      </p:sp>
+      <p:sp>
+        <p:nvSpPr>
+          <p:cNvPr id="3" name="Inhaltsplatzhalter 2"/>
+          <p:cNvSpPr>
+            <a:spLocks noGrp="1"/>
+          </p:cNvSpPr>
+          <p:nvPr>
+            <p:ph idx="1"/>
+          </p:nvPr>
+        </p:nvSpPr>
+        <p:spPr/>
+        <p:txBody>
+          <a:bodyPr/>
+          <a:lstStyle/>
+          <a:p>
+            <a:pPr marL="342900" indent="-342900">
+              <a:buAutoNum type="arabicPeriod"/>
+            </a:pPr>
+            <a:r>
+              <a:rPr lang="de-DE" dirty="0" smtClean="0"/>
               <a:t>Problemstellung</a:t>
             </a:r>
-            <a:endParaRPr lang="de-DE" dirty="0"/>
-          </a:p>
-        </p:txBody>
-      </p:sp>
-      <p:sp>
-        <p:nvSpPr>
-          <p:cNvPr id="3" name="Inhaltsplatzhalter 2"/>
-          <p:cNvSpPr>
-            <a:spLocks noGrp="1"/>
-          </p:cNvSpPr>
-          <p:nvPr>
-            <p:ph idx="1"/>
-          </p:nvPr>
-        </p:nvSpPr>
-        <p:spPr/>
-        <p:txBody>
-          <a:bodyPr/>
-          <a:lstStyle/>
-          <a:p>
+          </a:p>
+          <a:p>
+            <a:pPr marL="342900" indent="-342900">
+              <a:buAutoNum type="arabicPeriod"/>
+            </a:pPr>
             <a:r>
               <a:rPr lang="de-DE" dirty="0" smtClean="0"/>
-              <a:t>Momentan: Beim VG muss Fachbereich dabei sein, da fachliche Kompetenzen abgefragt werden müssen</a:t>
-            </a:r>
-          </a:p>
-          <a:p>
+              <a:t>Erste Überlegungen</a:t>
+            </a:r>
+          </a:p>
+          <a:p>
+            <a:pPr marL="342900" indent="-342900">
+              <a:buAutoNum type="arabicPeriod"/>
+            </a:pPr>
             <a:r>
               <a:rPr lang="de-DE" dirty="0" smtClean="0"/>
-              <a:t>Wunsch vom Auftraggeber: Eine Möglichkeit, den Fachbereich im VG zu ersetzen -&gt; digitaler </a:t>
-            </a:r>
-            <a:r>
-              <a:rPr lang="de-DE" dirty="0" err="1" smtClean="0"/>
-              <a:t>Inhouse</a:t>
-            </a:r>
+              <a:t>Lösungsansatz</a:t>
+            </a:r>
+          </a:p>
+          <a:p>
+            <a:pPr marL="342900" indent="-342900">
+              <a:buAutoNum type="arabicPeriod"/>
+            </a:pPr>
             <a:r>
               <a:rPr lang="de-DE" dirty="0" smtClean="0"/>
-              <a:t>-Test </a:t>
-            </a:r>
-            <a:endParaRPr lang="de-DE" dirty="0"/>
+              <a:t>Vorbereitung/Durchführung</a:t>
+            </a:r>
+          </a:p>
+          <a:p>
+            <a:pPr marL="342900" indent="-342900">
+              <a:buAutoNum type="arabicPeriod"/>
+            </a:pPr>
+            <a:r>
+              <a:rPr lang="de-DE" dirty="0" smtClean="0"/>
+              <a:t>Aktueller Stand -&gt; Vorführung Applikation</a:t>
+            </a:r>
+          </a:p>
+          <a:p>
+            <a:pPr marL="342900" indent="-342900">
+              <a:buAutoNum type="arabicPeriod"/>
+            </a:pPr>
+            <a:r>
+              <a:rPr lang="de-DE" dirty="0" smtClean="0"/>
+              <a:t>Was noch gemacht werden muss</a:t>
+            </a:r>
+          </a:p>
+          <a:p>
+            <a:pPr marL="342900" indent="-342900">
+              <a:buAutoNum type="arabicPeriod"/>
+            </a:pPr>
+            <a:endParaRPr lang="de-DE" dirty="0" smtClean="0"/>
+          </a:p>
+          <a:p>
+            <a:pPr marL="342900" indent="-342900">
+              <a:buAutoNum type="arabicPeriod"/>
+            </a:pPr>
+            <a:endParaRPr lang="de-DE" dirty="0" smtClean="0"/>
           </a:p>
         </p:txBody>
       </p:sp>
@@ -3677,7 +3731,7 @@
           <a:p>
             <a:r>
               <a:rPr lang="de-DE" dirty="0" smtClean="0"/>
-              <a:t>Erste Überlegungen</a:t>
+              <a:t>Problemstellung</a:t>
             </a:r>
             <a:endParaRPr lang="de-DE" dirty="0"/>
           </a:p>
@@ -3695,97 +3749,28 @@
         </p:nvSpPr>
         <p:spPr/>
         <p:txBody>
-          <a:bodyPr>
-            <a:noAutofit/>
-          </a:bodyPr>
-          <a:lstStyle/>
-          <a:p>
-            <a:r>
-              <a:rPr lang="de-DE" sz="1600" dirty="0" smtClean="0"/>
-              <a:t>Web-</a:t>
-            </a:r>
-            <a:r>
-              <a:rPr lang="de-DE" sz="1600" dirty="0" err="1" smtClean="0"/>
-              <a:t>App</a:t>
-            </a:r>
-            <a:r>
-              <a:rPr lang="de-DE" sz="1600" dirty="0" smtClean="0"/>
-              <a:t>, </a:t>
-            </a:r>
-            <a:r>
-              <a:rPr lang="de-DE" sz="1600" dirty="0" err="1" smtClean="0"/>
-              <a:t>Android-App</a:t>
-            </a:r>
-            <a:r>
-              <a:rPr lang="de-DE" sz="1600" dirty="0" smtClean="0"/>
-              <a:t>, </a:t>
-            </a:r>
-            <a:r>
-              <a:rPr lang="de-DE" sz="1600" dirty="0" err="1" smtClean="0"/>
-              <a:t>iOS-App</a:t>
-            </a:r>
-            <a:r>
-              <a:rPr lang="de-DE" sz="1600" dirty="0" smtClean="0"/>
-              <a:t>?</a:t>
-            </a:r>
-          </a:p>
-          <a:p>
-            <a:r>
-              <a:rPr lang="de-DE" sz="1600" dirty="0" smtClean="0"/>
-              <a:t>Meldet sich Bewerber selber an oder macht das der </a:t>
-            </a:r>
-            <a:r>
-              <a:rPr lang="de-DE" sz="1600" dirty="0" err="1" smtClean="0"/>
-              <a:t>Recruiter</a:t>
-            </a:r>
-            <a:r>
-              <a:rPr lang="de-DE" sz="1600" dirty="0" smtClean="0"/>
-              <a:t>?</a:t>
-            </a:r>
-          </a:p>
-          <a:p>
-            <a:r>
-              <a:rPr lang="de-DE" sz="1600" dirty="0" smtClean="0"/>
-              <a:t>Wird bei der Anmeldung der Name angegeben oder gibt es eine ID für jeden Bewerber?</a:t>
-            </a:r>
-          </a:p>
-          <a:p>
-            <a:r>
-              <a:rPr lang="de-DE" sz="1600" dirty="0" smtClean="0"/>
-              <a:t>Wenn es die ID wird, brauchen wir eine Anwendung die </a:t>
-            </a:r>
-            <a:r>
-              <a:rPr lang="de-DE" sz="1600" dirty="0" err="1" smtClean="0"/>
-              <a:t>ID‘s</a:t>
-            </a:r>
-            <a:r>
-              <a:rPr lang="de-DE" sz="1600" dirty="0" smtClean="0"/>
-              <a:t> an Bewerber vergibt?</a:t>
-            </a:r>
-          </a:p>
-          <a:p>
-            <a:r>
-              <a:rPr lang="de-DE" sz="1600" dirty="0" smtClean="0"/>
-              <a:t>Wie unterscheidet man die verschiedenen Tests voneinander und sucht sie aus?</a:t>
-            </a:r>
-          </a:p>
-          <a:p>
-            <a:r>
-              <a:rPr lang="de-DE" sz="1600" dirty="0" smtClean="0"/>
-              <a:t>Wie soll der Test aussehen? -&gt; Text/Multiple Choice</a:t>
-            </a:r>
-          </a:p>
-          <a:p>
-            <a:r>
-              <a:rPr lang="de-DE" sz="1600" dirty="0" smtClean="0"/>
-              <a:t>Verwaltungssystem um Fragebögen zu verändern?/ kann man die Fragen nur im Code verändern?/ oder kann die Anwendung die Fragen aus einer Text-Datei heraus generieren?</a:t>
-            </a:r>
-          </a:p>
-          <a:p>
-            <a:r>
-              <a:rPr lang="de-DE" sz="1600" dirty="0" smtClean="0"/>
-              <a:t>Wie übergibt man die Ergebnisse? -&gt; Server/E-Mail</a:t>
-            </a:r>
+          <a:bodyPr/>
+          <a:lstStyle/>
+          <a:p>
+            <a:r>
+              <a:rPr lang="de-DE" dirty="0" smtClean="0"/>
+              <a:t>Momentan: Beim VG muss Fachbereich dabei sein, da fachliche Kompetenzen abgefragt werden müssen</a:t>
+            </a:r>
+          </a:p>
+          <a:p>
+            <a:r>
+              <a:rPr lang="de-DE" dirty="0" smtClean="0"/>
+              <a:t>Wunsch vom Auftraggeber: Eine Möglichkeit, den Fachbereich im VG zu ersetzen -&gt; digitaler </a:t>
+            </a:r>
+            <a:r>
+              <a:rPr lang="de-DE" dirty="0" err="1" smtClean="0"/>
+              <a:t>Inhouse</a:t>
+            </a:r>
+            <a:r>
+              <a:rPr lang="de-DE" dirty="0" smtClean="0"/>
+              <a:t>-Test </a:t>
+            </a:r>
+            <a:endParaRPr lang="de-DE" dirty="0"/>
           </a:p>
         </p:txBody>
       </p:sp>
@@ -3794,6 +3779,13 @@
   <p:clrMapOvr>
     <a:masterClrMapping/>
   </p:clrMapOvr>
+  <p:timing>
+    <p:tnLst>
+      <p:par>
+        <p:cTn id="1" dur="indefinite" restart="never" nodeType="tmRoot"/>
+      </p:par>
+    </p:tnLst>
+  </p:timing>
 </p:sld>
 </file>
 
@@ -3831,7 +3823,7 @@
           <a:p>
             <a:r>
               <a:rPr lang="de-DE" dirty="0" smtClean="0"/>
-              <a:t>Lösungsansatz</a:t>
+              <a:t>Erste Überlegungen</a:t>
             </a:r>
             <a:endParaRPr lang="de-DE" dirty="0"/>
           </a:p>
@@ -3850,88 +3842,96 @@
         <p:spPr/>
         <p:txBody>
           <a:bodyPr>
-            <a:normAutofit/>
+            <a:noAutofit/>
           </a:bodyPr>
           <a:lstStyle/>
           <a:p>
             <a:r>
-              <a:rPr lang="de-DE" dirty="0" smtClean="0"/>
-              <a:t>Web-Applikation</a:t>
-            </a:r>
-          </a:p>
-          <a:p>
-            <a:r>
-              <a:rPr lang="de-DE" dirty="0" err="1" smtClean="0"/>
+              <a:rPr lang="de-DE" sz="1600" dirty="0" smtClean="0"/>
+              <a:t>Web-</a:t>
+            </a:r>
+            <a:r>
+              <a:rPr lang="de-DE" sz="1600" dirty="0" err="1" smtClean="0"/>
+              <a:t>App</a:t>
+            </a:r>
+            <a:r>
+              <a:rPr lang="de-DE" sz="1600" dirty="0" smtClean="0"/>
+              <a:t>, </a:t>
+            </a:r>
+            <a:r>
+              <a:rPr lang="de-DE" sz="1600" dirty="0" err="1" smtClean="0"/>
+              <a:t>Android-App</a:t>
+            </a:r>
+            <a:r>
+              <a:rPr lang="de-DE" sz="1600" dirty="0" smtClean="0"/>
+              <a:t>, </a:t>
+            </a:r>
+            <a:r>
+              <a:rPr lang="de-DE" sz="1600" dirty="0" err="1" smtClean="0"/>
+              <a:t>iOS-App</a:t>
+            </a:r>
+            <a:r>
+              <a:rPr lang="de-DE" sz="1600" dirty="0" smtClean="0"/>
+              <a:t>?</a:t>
+            </a:r>
+          </a:p>
+          <a:p>
+            <a:r>
+              <a:rPr lang="de-DE" sz="1600" dirty="0" smtClean="0"/>
+              <a:t>Meldet sich Bewerber selber an oder macht das der </a:t>
+            </a:r>
+            <a:r>
+              <a:rPr lang="de-DE" sz="1600" dirty="0" err="1" smtClean="0"/>
               <a:t>Recruiter</a:t>
             </a:r>
             <a:r>
-              <a:rPr lang="de-DE" dirty="0" smtClean="0"/>
-              <a:t> wählt den passenden Test zur Stelle aus und gibt Bewerber-ID ein</a:t>
-            </a:r>
-          </a:p>
-          <a:p>
-            <a:r>
-              <a:rPr lang="de-DE" dirty="0" smtClean="0"/>
-              <a:t> </a:t>
-            </a:r>
-            <a:r>
-              <a:rPr lang="de-DE" dirty="0" err="1" smtClean="0"/>
+              <a:rPr lang="de-DE" sz="1600" dirty="0" smtClean="0"/>
+              <a:t>?</a:t>
+            </a:r>
+          </a:p>
+          <a:p>
+            <a:r>
+              <a:rPr lang="de-DE" sz="1600" dirty="0" smtClean="0"/>
+              <a:t>Wird bei der Anmeldung der Name angegeben oder gibt es eine ID für jeden Bewerber?</a:t>
+            </a:r>
+          </a:p>
+          <a:p>
+            <a:r>
+              <a:rPr lang="de-DE" sz="1600" dirty="0" smtClean="0"/>
+              <a:t>Wenn es die ID wird, brauchen wir eine Anwendung die </a:t>
+            </a:r>
+            <a:r>
+              <a:rPr lang="de-DE" sz="1600" dirty="0" err="1" smtClean="0"/>
               <a:t>ID‘s</a:t>
             </a:r>
             <a:r>
-              <a:rPr lang="de-DE" dirty="0" smtClean="0"/>
-              <a:t> werden bereits vergeben, sodass unsere Anwendung das nicht erledigen muss</a:t>
-            </a:r>
-          </a:p>
-          <a:p>
-            <a:r>
-              <a:rPr lang="de-DE" dirty="0" smtClean="0"/>
-              <a:t>Es werden ausschließlich Multiple Choice Fragen </a:t>
-            </a:r>
-            <a:r>
-              <a:rPr lang="de-DE" dirty="0" smtClean="0"/>
-              <a:t>verwendet</a:t>
-            </a:r>
-            <a:endParaRPr lang="de-DE" dirty="0" smtClean="0"/>
-          </a:p>
-          <a:p>
-            <a:r>
-              <a:rPr lang="de-DE" dirty="0" smtClean="0"/>
-              <a:t>Die </a:t>
-            </a:r>
-            <a:r>
-              <a:rPr lang="de-DE" dirty="0" smtClean="0"/>
-              <a:t>Tests und passenden Fragen</a:t>
-            </a:r>
-            <a:r>
-              <a:rPr lang="de-DE" dirty="0" smtClean="0"/>
-              <a:t> </a:t>
-            </a:r>
-            <a:r>
-              <a:rPr lang="de-DE" dirty="0" smtClean="0"/>
-              <a:t>werden aus einer Text-Datei generiert</a:t>
-            </a:r>
-          </a:p>
-          <a:p>
-            <a:r>
-              <a:rPr lang="de-DE" dirty="0" smtClean="0"/>
-              <a:t>Das Ergebnis wird per E-Mail direkt an einen Verteiler des </a:t>
-            </a:r>
-            <a:r>
-              <a:rPr lang="de-DE" dirty="0" err="1" smtClean="0"/>
-              <a:t>Recruiting</a:t>
-            </a:r>
-            <a:r>
-              <a:rPr lang="de-DE" dirty="0" smtClean="0"/>
-              <a:t> </a:t>
-            </a:r>
-            <a:r>
-              <a:rPr lang="de-DE" dirty="0" smtClean="0"/>
-              <a:t>übersendet</a:t>
-            </a:r>
-          </a:p>
-          <a:p>
-            <a:endParaRPr lang="de-DE" dirty="0"/>
+              <a:rPr lang="de-DE" sz="1600" dirty="0" smtClean="0"/>
+              <a:t> an Bewerber vergibt?</a:t>
+            </a:r>
+          </a:p>
+          <a:p>
+            <a:r>
+              <a:rPr lang="de-DE" sz="1600" dirty="0" smtClean="0"/>
+              <a:t>Wie unterscheidet man die verschiedenen Tests voneinander und sucht sie aus?</a:t>
+            </a:r>
+          </a:p>
+          <a:p>
+            <a:r>
+              <a:rPr lang="de-DE" sz="1600" dirty="0" smtClean="0"/>
+              <a:t>Wie soll der Test aussehen? -&gt; Text/Multiple Choice</a:t>
+            </a:r>
+          </a:p>
+          <a:p>
+            <a:r>
+              <a:rPr lang="de-DE" sz="1600" dirty="0" smtClean="0"/>
+              <a:t>Verwaltungssystem um Fragebögen zu verändern?/ kann man die Fragen nur im Code verändern?/ oder kann die Anwendung die Fragen aus einer Text-Datei heraus generieren?</a:t>
+            </a:r>
+          </a:p>
+          <a:p>
+            <a:r>
+              <a:rPr lang="de-DE" sz="1600" dirty="0" smtClean="0"/>
+              <a:t>Wie übergibt man die Ergebnisse? -&gt; Server/E-Mail</a:t>
+            </a:r>
           </a:p>
         </p:txBody>
       </p:sp>
@@ -3940,6 +3940,13 @@
   <p:clrMapOvr>
     <a:masterClrMapping/>
   </p:clrMapOvr>
+  <p:timing>
+    <p:tnLst>
+      <p:par>
+        <p:cTn id="1" dur="indefinite" restart="never" nodeType="tmRoot"/>
+      </p:par>
+    </p:tnLst>
+  </p:timing>
 </p:sld>
 </file>
 
@@ -3970,12 +3977,30 @@
             <p:ph type="title"/>
           </p:nvPr>
         </p:nvSpPr>
-        <p:spPr>
-          <a:xfrm>
-            <a:off x="946404" y="365760"/>
-            <a:ext cx="7269480" cy="830992"/>
-          </a:xfrm>
-        </p:spPr>
+        <p:spPr/>
+        <p:txBody>
+          <a:bodyPr/>
+          <a:lstStyle/>
+          <a:p>
+            <a:r>
+              <a:rPr lang="de-DE" dirty="0" smtClean="0"/>
+              <a:t>Lösungsansatz</a:t>
+            </a:r>
+            <a:endParaRPr lang="de-DE" dirty="0"/>
+          </a:p>
+        </p:txBody>
+      </p:sp>
+      <p:sp>
+        <p:nvSpPr>
+          <p:cNvPr id="3" name="Inhaltsplatzhalter 2"/>
+          <p:cNvSpPr>
+            <a:spLocks noGrp="1"/>
+          </p:cNvSpPr>
+          <p:nvPr>
+            <p:ph idx="1"/>
+          </p:nvPr>
+        </p:nvSpPr>
+        <p:spPr/>
         <p:txBody>
           <a:bodyPr>
             <a:normAutofit/>
@@ -3984,175 +4009,60 @@
           <a:p>
             <a:r>
               <a:rPr lang="de-DE" dirty="0" smtClean="0"/>
-              <a:t>Vorbereitung/Durchführung</a:t>
-            </a:r>
-            <a:endParaRPr lang="de-DE" dirty="0"/>
-          </a:p>
-        </p:txBody>
-      </p:sp>
-      <p:sp>
-        <p:nvSpPr>
-          <p:cNvPr id="3" name="Inhaltsplatzhalter 2"/>
-          <p:cNvSpPr>
-            <a:spLocks noGrp="1"/>
-          </p:cNvSpPr>
-          <p:nvPr>
-            <p:ph idx="1"/>
-          </p:nvPr>
-        </p:nvSpPr>
-        <p:spPr>
-          <a:xfrm>
-            <a:off x="611560" y="1340768"/>
-            <a:ext cx="7344816" cy="5328593"/>
-          </a:xfrm>
-        </p:spPr>
-        <p:txBody>
-          <a:bodyPr>
-            <a:normAutofit fontScale="92500" lnSpcReduction="10000"/>
-          </a:bodyPr>
-          <a:lstStyle/>
-          <a:p>
-            <a:pPr marL="342900" indent="-342900">
-              <a:buAutoNum type="arabicPeriod"/>
-            </a:pPr>
+              <a:t>Web-Applikation</a:t>
+            </a:r>
+          </a:p>
+          <a:p>
+            <a:r>
+              <a:rPr lang="de-DE" dirty="0" err="1" smtClean="0"/>
+              <a:t>Recruiter</a:t>
+            </a:r>
             <a:r>
               <a:rPr lang="de-DE" dirty="0" smtClean="0"/>
-              <a:t>Festlegen welche Seiten gebraucht werden</a:t>
-            </a:r>
-          </a:p>
-          <a:p>
-            <a:pPr marL="342900" indent="-342900">
-              <a:buAutoNum type="arabicPeriod"/>
-            </a:pPr>
+              <a:t> wählt den passenden Test zur Stelle aus und gibt Bewerber-ID ein</a:t>
+            </a:r>
+          </a:p>
+          <a:p>
             <a:r>
               <a:rPr lang="de-DE" dirty="0" smtClean="0"/>
-              <a:t>Einarbeitung in HTML, CSS</a:t>
-            </a:r>
-          </a:p>
-          <a:p>
-            <a:pPr marL="342900" indent="-342900">
-              <a:buAutoNum type="arabicPeriod"/>
-            </a:pPr>
+              <a:t> </a:t>
+            </a:r>
+            <a:r>
+              <a:rPr lang="de-DE" dirty="0" err="1" smtClean="0"/>
+              <a:t>ID‘s</a:t>
+            </a:r>
             <a:r>
               <a:rPr lang="de-DE" dirty="0" smtClean="0"/>
-              <a:t>Einzelne Seiten mit HTML erstellen</a:t>
-            </a:r>
-          </a:p>
-          <a:p>
-            <a:pPr marL="342900" indent="-342900">
-              <a:buAutoNum type="arabicPeriod"/>
-            </a:pPr>
+              <a:t> werden bereits vergeben, sodass unsere Anwendung das nicht erledigen muss</a:t>
+            </a:r>
+          </a:p>
+          <a:p>
             <a:r>
               <a:rPr lang="de-DE" dirty="0" smtClean="0"/>
-              <a:t>Verknüpfen </a:t>
-            </a:r>
+              <a:t>Es werden ausschließlich Multiple Choice Fragen verwendet</a:t>
+            </a:r>
+          </a:p>
+          <a:p>
             <a:r>
               <a:rPr lang="de-DE" dirty="0" smtClean="0"/>
-              <a:t>der einzelnen </a:t>
-            </a:r>
+              <a:t>Die Tests und passenden Fragen werden aus einer Text-Datei generiert</a:t>
+            </a:r>
+          </a:p>
+          <a:p>
             <a:r>
               <a:rPr lang="de-DE" dirty="0" smtClean="0"/>
-              <a:t>HTML-Seiten</a:t>
-            </a:r>
-          </a:p>
-          <a:p>
-            <a:pPr marL="342900" indent="-342900">
-              <a:buAutoNum type="arabicPeriod"/>
-            </a:pPr>
+              <a:t>Das Ergebnis wird per E-Mail direkt an einen Verteiler des </a:t>
+            </a:r>
+            <a:r>
+              <a:rPr lang="de-DE" dirty="0" err="1" smtClean="0"/>
+              <a:t>Recruiting</a:t>
+            </a:r>
             <a:r>
               <a:rPr lang="de-DE" dirty="0" smtClean="0"/>
-              <a:t>Anpassen des </a:t>
-            </a:r>
-            <a:r>
-              <a:rPr lang="de-DE" dirty="0" smtClean="0"/>
-              <a:t>Designs mit CSS</a:t>
-            </a:r>
-          </a:p>
-          <a:p>
-            <a:pPr marL="342900" indent="-342900">
-              <a:buAutoNum type="arabicPeriod"/>
-            </a:pPr>
-            <a:r>
-              <a:rPr lang="de-DE" dirty="0" smtClean="0"/>
-              <a:t>Auswählen der passenden Skriptsprache </a:t>
-            </a:r>
-          </a:p>
-          <a:p>
-            <a:pPr marL="342900" indent="-342900">
-              <a:buAutoNum type="arabicPeriod"/>
-            </a:pPr>
-            <a:r>
-              <a:rPr lang="de-DE" dirty="0" smtClean="0"/>
-              <a:t>Einarbeitung in die Skriptsprache PHP</a:t>
-            </a:r>
-          </a:p>
-          <a:p>
-            <a:pPr marL="342900" indent="-342900">
-              <a:buAutoNum type="arabicPeriod"/>
-            </a:pPr>
-            <a:r>
-              <a:rPr lang="de-DE" dirty="0" smtClean="0"/>
-              <a:t>Programmieren aller Funktionen</a:t>
-            </a:r>
-          </a:p>
-          <a:p>
-            <a:pPr marL="342900" indent="-342900">
-              <a:buAutoNum type="arabicPeriod"/>
-            </a:pPr>
-            <a:r>
-              <a:rPr lang="de-DE" dirty="0" smtClean="0"/>
-              <a:t>PHP Code einarbeiten </a:t>
-            </a:r>
-            <a:r>
-              <a:rPr lang="de-DE" dirty="0" smtClean="0"/>
-              <a:t>in den HTML Code</a:t>
-            </a:r>
-          </a:p>
-          <a:p>
-            <a:pPr marL="342900" indent="-342900">
-              <a:buAutoNum type="arabicPeriod"/>
-            </a:pPr>
-            <a:r>
-              <a:rPr lang="de-DE" dirty="0" smtClean="0"/>
-              <a:t>Testen (Mitgeben von ID, Auslesen aus Text-Datei und Tests mit Fragen daraus generieren, Auswerten der Tests, Versenden der E-Mail mit passenden </a:t>
-            </a:r>
-            <a:r>
-              <a:rPr lang="de-DE" dirty="0" smtClean="0"/>
-              <a:t>Informationen)</a:t>
-            </a:r>
-            <a:endParaRPr lang="de-DE" dirty="0" smtClean="0"/>
-          </a:p>
-          <a:p>
-            <a:pPr marL="342900" indent="-342900">
-              <a:buAutoNum type="arabicPeriod"/>
-            </a:pPr>
-            <a:r>
-              <a:rPr lang="de-DE" dirty="0" smtClean="0"/>
-              <a:t>Abschließendes Anpassen des Designs</a:t>
-            </a:r>
-          </a:p>
-          <a:p>
-            <a:pPr marL="342900" indent="-342900">
-              <a:buAutoNum type="arabicPeriod"/>
-            </a:pPr>
-            <a:endParaRPr lang="de-DE" dirty="0" smtClean="0"/>
-          </a:p>
-          <a:p>
-            <a:pPr marL="342900" indent="-342900">
-              <a:buNone/>
-            </a:pPr>
-            <a:endParaRPr lang="de-DE" dirty="0" smtClean="0"/>
-          </a:p>
-          <a:p>
-            <a:pPr>
-              <a:buNone/>
-            </a:pPr>
-            <a:endParaRPr lang="de-DE" dirty="0" smtClean="0"/>
-          </a:p>
-          <a:p>
-            <a:pPr marL="342900" indent="-342900">
-              <a:buNone/>
-            </a:pPr>
+              <a:t> übersendet</a:t>
+            </a:r>
+          </a:p>
+          <a:p>
             <a:endParaRPr lang="de-DE" dirty="0"/>
           </a:p>
         </p:txBody>
@@ -4162,6 +4072,13 @@
   <p:clrMapOvr>
     <a:masterClrMapping/>
   </p:clrMapOvr>
+  <p:timing>
+    <p:tnLst>
+      <p:par>
+        <p:cTn id="1" dur="indefinite" restart="never" nodeType="tmRoot"/>
+      </p:par>
+    </p:tnLst>
+  </p:timing>
 </p:sld>
 </file>
 
@@ -4192,14 +4109,21 @@
             <p:ph type="title"/>
           </p:nvPr>
         </p:nvSpPr>
-        <p:spPr/>
-        <p:txBody>
-          <a:bodyPr/>
+        <p:spPr>
+          <a:xfrm>
+            <a:off x="946404" y="365760"/>
+            <a:ext cx="7269480" cy="830992"/>
+          </a:xfrm>
+        </p:spPr>
+        <p:txBody>
+          <a:bodyPr>
+            <a:normAutofit/>
+          </a:bodyPr>
           <a:lstStyle/>
           <a:p>
             <a:r>
               <a:rPr lang="de-DE" dirty="0" smtClean="0"/>
-              <a:t>Was noch gemacht werden muss:</a:t>
+              <a:t>Vorbereitung/Durchführung</a:t>
             </a:r>
             <a:endParaRPr lang="de-DE" dirty="0"/>
           </a:p>
@@ -4215,52 +4139,139 @@
             <p:ph idx="1"/>
           </p:nvPr>
         </p:nvSpPr>
-        <p:spPr/>
-        <p:txBody>
-          <a:bodyPr/>
-          <a:lstStyle/>
-          <a:p>
+        <p:spPr>
+          <a:xfrm>
+            <a:off x="611560" y="1340768"/>
+            <a:ext cx="7344816" cy="5328593"/>
+          </a:xfrm>
+        </p:spPr>
+        <p:txBody>
+          <a:bodyPr>
+            <a:normAutofit fontScale="92500" lnSpcReduction="10000"/>
+          </a:bodyPr>
+          <a:lstStyle/>
+          <a:p>
+            <a:pPr marL="342900" indent="-342900">
+              <a:buAutoNum type="arabicPeriod"/>
+            </a:pPr>
             <a:r>
               <a:rPr lang="de-DE" dirty="0" smtClean="0"/>
-              <a:t>Schutz vor Manipulation sicherstellen</a:t>
-            </a:r>
-          </a:p>
-          <a:p>
+              <a:t>Festlegen welche Seiten gebraucht werden</a:t>
+            </a:r>
+          </a:p>
+          <a:p>
+            <a:pPr marL="342900" indent="-342900">
+              <a:buAutoNum type="arabicPeriod"/>
+            </a:pPr>
             <a:r>
               <a:rPr lang="de-DE" dirty="0" smtClean="0"/>
-              <a:t>Testen mit Testserver und passendem Empfänger</a:t>
-            </a:r>
-          </a:p>
-          <a:p>
+              <a:t>Einarbeitung in HTML, CSS</a:t>
+            </a:r>
+          </a:p>
+          <a:p>
+            <a:pPr marL="342900" indent="-342900">
+              <a:buAutoNum type="arabicPeriod"/>
+            </a:pPr>
             <a:r>
               <a:rPr lang="de-DE" dirty="0" smtClean="0"/>
-              <a:t>Datenschutzthemen abklären</a:t>
-            </a:r>
-          </a:p>
-          <a:p>
+              <a:t>Einzelne Seiten mit HTML erstellen</a:t>
+            </a:r>
+          </a:p>
+          <a:p>
+            <a:pPr marL="342900" indent="-342900">
+              <a:buAutoNum type="arabicPeriod"/>
+            </a:pPr>
             <a:r>
               <a:rPr lang="de-DE" dirty="0" smtClean="0"/>
-              <a:t>Passende Fragebögen </a:t>
-            </a:r>
-            <a:r>
-              <a:rPr lang="de-DE" dirty="0" err="1" smtClean="0"/>
-              <a:t>einpflegen</a:t>
-            </a:r>
+              <a:t>Verknüpfen der einzelnen HTML-Seiten</a:t>
+            </a:r>
+          </a:p>
+          <a:p>
+            <a:pPr marL="342900" indent="-342900">
+              <a:buAutoNum type="arabicPeriod"/>
+            </a:pPr>
+            <a:r>
+              <a:rPr lang="de-DE" dirty="0" smtClean="0"/>
+              <a:t>Anpassen des Designs mit CSS</a:t>
+            </a:r>
+          </a:p>
+          <a:p>
+            <a:pPr marL="342900" indent="-342900">
+              <a:buAutoNum type="arabicPeriod"/>
+            </a:pPr>
+            <a:r>
+              <a:rPr lang="de-DE" dirty="0" smtClean="0"/>
+              <a:t>Auswählen der passenden Skriptsprache </a:t>
+            </a:r>
+          </a:p>
+          <a:p>
+            <a:pPr marL="342900" indent="-342900">
+              <a:buAutoNum type="arabicPeriod"/>
+            </a:pPr>
+            <a:r>
+              <a:rPr lang="de-DE" dirty="0" smtClean="0"/>
+              <a:t>Einarbeitung in die Skriptsprache PHP</a:t>
+            </a:r>
+          </a:p>
+          <a:p>
+            <a:pPr marL="342900" indent="-342900">
+              <a:buAutoNum type="arabicPeriod"/>
+            </a:pPr>
+            <a:r>
+              <a:rPr lang="de-DE" dirty="0" smtClean="0"/>
+              <a:t>Programmieren aller Funktionen</a:t>
+            </a:r>
+          </a:p>
+          <a:p>
+            <a:pPr marL="342900" indent="-342900">
+              <a:buAutoNum type="arabicPeriod"/>
+            </a:pPr>
+            <a:r>
+              <a:rPr lang="de-DE" dirty="0" smtClean="0"/>
+              <a:t>PHP Code einarbeiten in den HTML Code</a:t>
+            </a:r>
+          </a:p>
+          <a:p>
+            <a:pPr marL="342900" indent="-342900">
+              <a:buAutoNum type="arabicPeriod"/>
+            </a:pPr>
+            <a:r>
+              <a:rPr lang="de-DE" dirty="0" smtClean="0"/>
+              <a:t>Testen (Mitgeben von ID, Auslesen aus Text-Datei und Tests mit Fragen daraus generieren, Auswerten der Tests, Versenden der E-Mail mit passenden Informationen)</a:t>
+            </a:r>
+          </a:p>
+          <a:p>
+            <a:pPr marL="342900" indent="-342900">
+              <a:buAutoNum type="arabicPeriod"/>
+            </a:pPr>
+            <a:r>
+              <a:rPr lang="de-DE" dirty="0" smtClean="0"/>
+              <a:t>Abschließendes Anpassen des Designs</a:t>
+            </a:r>
+          </a:p>
+          <a:p>
+            <a:pPr marL="342900" indent="-342900">
+              <a:buAutoNum type="arabicPeriod"/>
+            </a:pPr>
             <a:endParaRPr lang="de-DE" dirty="0" smtClean="0"/>
           </a:p>
           <a:p>
-            <a:r>
-              <a:rPr lang="de-DE" dirty="0" smtClean="0"/>
-              <a:t>Design an alle Endgeräte anpassen (z.B. Buttons vergrößern für </a:t>
-            </a:r>
-            <a:r>
-              <a:rPr lang="de-DE" dirty="0" err="1" smtClean="0"/>
-              <a:t>Tablets</a:t>
-            </a:r>
-            <a:r>
-              <a:rPr lang="de-DE" dirty="0" smtClean="0"/>
-              <a:t>)</a:t>
-            </a:r>
+            <a:pPr marL="342900" indent="-342900">
+              <a:buNone/>
+            </a:pPr>
+            <a:endParaRPr lang="de-DE" dirty="0" smtClean="0"/>
+          </a:p>
+          <a:p>
+            <a:pPr>
+              <a:buNone/>
+            </a:pPr>
+            <a:endParaRPr lang="de-DE" dirty="0" smtClean="0"/>
+          </a:p>
+          <a:p>
+            <a:pPr marL="342900" indent="-342900">
+              <a:buNone/>
+            </a:pPr>
+            <a:endParaRPr lang="de-DE" dirty="0"/>
           </a:p>
         </p:txBody>
       </p:sp>
@@ -4269,6 +4280,209 @@
   <p:clrMapOvr>
     <a:masterClrMapping/>
   </p:clrMapOvr>
+  <p:timing>
+    <p:tnLst>
+      <p:par>
+        <p:cTn id="1" dur="indefinite" restart="never" nodeType="tmRoot"/>
+      </p:par>
+    </p:tnLst>
+  </p:timing>
+</p:sld>
+</file>
+
+<file path=ppt/slides/slide7.xml><?xml version="1.0" encoding="utf-8"?>
+<p:sld xmlns:a="http://schemas.openxmlformats.org/drawingml/2006/main" xmlns:r="http://schemas.openxmlformats.org/officeDocument/2006/relationships" xmlns:p="http://schemas.openxmlformats.org/presentationml/2006/main">
+  <p:cSld>
+    <p:spTree>
+      <p:nvGrpSpPr>
+        <p:cNvPr id="1" name=""/>
+        <p:cNvGrpSpPr/>
+        <p:nvPr/>
+      </p:nvGrpSpPr>
+      <p:grpSpPr>
+        <a:xfrm>
+          <a:off x="0" y="0"/>
+          <a:ext cx="0" cy="0"/>
+          <a:chOff x="0" y="0"/>
+          <a:chExt cx="0" cy="0"/>
+        </a:xfrm>
+      </p:grpSpPr>
+      <p:sp>
+        <p:nvSpPr>
+          <p:cNvPr id="2" name="Titel 1"/>
+          <p:cNvSpPr>
+            <a:spLocks noGrp="1"/>
+          </p:cNvSpPr>
+          <p:nvPr>
+            <p:ph type="title"/>
+          </p:nvPr>
+        </p:nvSpPr>
+        <p:spPr/>
+        <p:txBody>
+          <a:bodyPr/>
+          <a:lstStyle/>
+          <a:p>
+            <a:r>
+              <a:rPr lang="de-DE" dirty="0" smtClean="0"/>
+              <a:t>Aktueller Stand</a:t>
+            </a:r>
+            <a:endParaRPr lang="de-DE" dirty="0"/>
+          </a:p>
+        </p:txBody>
+      </p:sp>
+      <p:sp>
+        <p:nvSpPr>
+          <p:cNvPr id="3" name="Inhaltsplatzhalter 2"/>
+          <p:cNvSpPr>
+            <a:spLocks noGrp="1"/>
+          </p:cNvSpPr>
+          <p:nvPr>
+            <p:ph idx="1"/>
+          </p:nvPr>
+        </p:nvSpPr>
+        <p:spPr/>
+        <p:txBody>
+          <a:bodyPr/>
+          <a:lstStyle/>
+          <a:p>
+            <a:pPr>
+              <a:buNone/>
+            </a:pPr>
+            <a:r>
+              <a:rPr lang="de-DE" dirty="0" err="1" smtClean="0"/>
+              <a:t>l</a:t>
+            </a:r>
+            <a:r>
+              <a:rPr lang="de-DE" dirty="0" err="1" smtClean="0"/>
+              <a:t>ocalhost</a:t>
+            </a:r>
+            <a:r>
+              <a:rPr lang="de-DE" dirty="0" smtClean="0"/>
+              <a:t>/H&amp;D2/index.php</a:t>
+            </a:r>
+            <a:endParaRPr lang="de-DE" dirty="0"/>
+          </a:p>
+        </p:txBody>
+      </p:sp>
+    </p:spTree>
+  </p:cSld>
+  <p:clrMapOvr>
+    <a:masterClrMapping/>
+  </p:clrMapOvr>
+</p:sld>
+</file>
+
+<file path=ppt/slides/slide8.xml><?xml version="1.0" encoding="utf-8"?>
+<p:sld xmlns:a="http://schemas.openxmlformats.org/drawingml/2006/main" xmlns:r="http://schemas.openxmlformats.org/officeDocument/2006/relationships" xmlns:p="http://schemas.openxmlformats.org/presentationml/2006/main">
+  <p:cSld>
+    <p:spTree>
+      <p:nvGrpSpPr>
+        <p:cNvPr id="1" name=""/>
+        <p:cNvGrpSpPr/>
+        <p:nvPr/>
+      </p:nvGrpSpPr>
+      <p:grpSpPr>
+        <a:xfrm>
+          <a:off x="0" y="0"/>
+          <a:ext cx="0" cy="0"/>
+          <a:chOff x="0" y="0"/>
+          <a:chExt cx="0" cy="0"/>
+        </a:xfrm>
+      </p:grpSpPr>
+      <p:sp>
+        <p:nvSpPr>
+          <p:cNvPr id="2" name="Titel 1"/>
+          <p:cNvSpPr>
+            <a:spLocks noGrp="1"/>
+          </p:cNvSpPr>
+          <p:nvPr>
+            <p:ph type="title"/>
+          </p:nvPr>
+        </p:nvSpPr>
+        <p:spPr/>
+        <p:txBody>
+          <a:bodyPr/>
+          <a:lstStyle/>
+          <a:p>
+            <a:r>
+              <a:rPr lang="de-DE" dirty="0" smtClean="0"/>
+              <a:t>Was noch gemacht werden muss:</a:t>
+            </a:r>
+            <a:endParaRPr lang="de-DE" dirty="0"/>
+          </a:p>
+        </p:txBody>
+      </p:sp>
+      <p:sp>
+        <p:nvSpPr>
+          <p:cNvPr id="3" name="Inhaltsplatzhalter 2"/>
+          <p:cNvSpPr>
+            <a:spLocks noGrp="1"/>
+          </p:cNvSpPr>
+          <p:nvPr>
+            <p:ph idx="1"/>
+          </p:nvPr>
+        </p:nvSpPr>
+        <p:spPr/>
+        <p:txBody>
+          <a:bodyPr/>
+          <a:lstStyle/>
+          <a:p>
+            <a:r>
+              <a:rPr lang="de-DE" dirty="0" smtClean="0"/>
+              <a:t>Schutz vor Manipulation sicherstellen</a:t>
+            </a:r>
+          </a:p>
+          <a:p>
+            <a:r>
+              <a:rPr lang="de-DE" dirty="0" smtClean="0"/>
+              <a:t>Testen mit Testserver und passendem Empfänger</a:t>
+            </a:r>
+          </a:p>
+          <a:p>
+            <a:r>
+              <a:rPr lang="de-DE" dirty="0" smtClean="0"/>
+              <a:t>Datenschutzthemen abklären</a:t>
+            </a:r>
+          </a:p>
+          <a:p>
+            <a:r>
+              <a:rPr lang="de-DE" dirty="0" smtClean="0"/>
+              <a:t>Passende Fragebögen </a:t>
+            </a:r>
+            <a:r>
+              <a:rPr lang="de-DE" dirty="0" err="1" smtClean="0"/>
+              <a:t>einpflegen</a:t>
+            </a:r>
+            <a:endParaRPr lang="de-DE" dirty="0" smtClean="0"/>
+          </a:p>
+          <a:p>
+            <a:r>
+              <a:rPr lang="de-DE" dirty="0" smtClean="0"/>
+              <a:t>Design an alle Endgeräte anpassen (z.B. Buttons vergrößern für </a:t>
+            </a:r>
+            <a:r>
+              <a:rPr lang="de-DE" dirty="0" err="1" smtClean="0"/>
+              <a:t>Tablets</a:t>
+            </a:r>
+            <a:r>
+              <a:rPr lang="de-DE" dirty="0" smtClean="0"/>
+              <a:t>)</a:t>
+            </a:r>
+          </a:p>
+        </p:txBody>
+      </p:sp>
+    </p:spTree>
+  </p:cSld>
+  <p:clrMapOvr>
+    <a:masterClrMapping/>
+  </p:clrMapOvr>
+  <p:timing>
+    <p:tnLst>
+      <p:par>
+        <p:cTn id="1" dur="indefinite" restart="never" nodeType="tmRoot"/>
+      </p:par>
+    </p:tnLst>
+  </p:timing>
 </p:sld>
 </file>
 
